--- a/PPT/ppt.pptx
+++ b/PPT/ppt.pptx
@@ -7,6 +7,10 @@
   </p:sldMasterIdLst>
   <p:sldIdLst>
     <p:sldId id="256" r:id="rId3"/>
+    <p:sldId id="257" r:id="rId4"/>
+    <p:sldId id="258" r:id="rId5"/>
+    <p:sldId id="259" r:id="rId6"/>
+    <p:sldId id="260" r:id="rId7"/>
   </p:sldIdLst>
   <p:sldSz cx="12192000" cy="6858000"/>
   <p:notesSz cx="6858000" cy="9144000"/>
@@ -105,6 +109,11 @@
       </a:defRPr>
     </a:lvl9pPr>
   </p:defaultTextStyle>
+  <p:extLst>
+    <p:ext uri="{EFAFB233-063F-42B5-8137-9DF3F51BA10A}">
+      <p15:sldGuideLst xmlns:p15="http://schemas.microsoft.com/office/powerpoint/2012/main"/>
+    </p:ext>
+  </p:extLst>
 </p:presentation>
 </file>
 
@@ -267,7 +276,7 @@
           <a:p>
             <a:fld id="{64F0E216-BA48-4F04-AC4F-645AA0DD6AC6}" type="datetimeFigureOut">
               <a:rPr lang="en-US" smtClean="0"/>
-              <a:t>10/22/2020</a:t>
+              <a:t>10/28/2020</a:t>
             </a:fld>
             <a:endParaRPr lang="en-US" dirty="0"/>
           </a:p>
@@ -1315,7 +1324,7 @@
           <a:p>
             <a:fld id="{64F0E216-BA48-4F04-AC4F-645AA0DD6AC6}" type="datetimeFigureOut">
               <a:rPr lang="en-US" smtClean="0"/>
-              <a:t>10/22/2020</a:t>
+              <a:t>10/28/2020</a:t>
             </a:fld>
             <a:endParaRPr lang="en-US"/>
           </a:p>
@@ -1551,7 +1560,7 @@
           <a:p>
             <a:fld id="{64F0E216-BA48-4F04-AC4F-645AA0DD6AC6}" type="datetimeFigureOut">
               <a:rPr lang="en-US" smtClean="0"/>
-              <a:t>10/22/2020</a:t>
+              <a:t>10/28/2020</a:t>
             </a:fld>
             <a:endParaRPr lang="en-US"/>
           </a:p>
@@ -3987,7 +3996,7 @@
           <a:p>
             <a:fld id="{3C04E684-10F4-4CC3-A0B9-F03AA7BE37CF}" type="datetimeFigureOut">
               <a:rPr lang="en-US" smtClean="0"/>
-              <a:t>10/22/2020</a:t>
+              <a:t>10/28/2020</a:t>
             </a:fld>
             <a:endParaRPr lang="en-US"/>
           </a:p>
@@ -4724,7 +4733,7 @@
           <a:p>
             <a:fld id="{3C04E684-10F4-4CC3-A0B9-F03AA7BE37CF}" type="datetimeFigureOut">
               <a:rPr lang="en-US" smtClean="0"/>
-              <a:t>10/22/2020</a:t>
+              <a:t>10/28/2020</a:t>
             </a:fld>
             <a:endParaRPr lang="en-US"/>
           </a:p>
@@ -5366,7 +5375,7 @@
           <a:p>
             <a:fld id="{3C04E684-10F4-4CC3-A0B9-F03AA7BE37CF}" type="datetimeFigureOut">
               <a:rPr lang="en-US" smtClean="0"/>
-              <a:t>10/22/2020</a:t>
+              <a:t>10/28/2020</a:t>
             </a:fld>
             <a:endParaRPr lang="en-US"/>
           </a:p>
@@ -6166,7 +6175,7 @@
           <a:p>
             <a:fld id="{3C04E684-10F4-4CC3-A0B9-F03AA7BE37CF}" type="datetimeFigureOut">
               <a:rPr lang="en-US" smtClean="0"/>
-              <a:t>10/22/2020</a:t>
+              <a:t>10/28/2020</a:t>
             </a:fld>
             <a:endParaRPr lang="en-US"/>
           </a:p>
@@ -7117,7 +7126,7 @@
           <a:p>
             <a:fld id="{3C04E684-10F4-4CC3-A0B9-F03AA7BE37CF}" type="datetimeFigureOut">
               <a:rPr lang="en-US" smtClean="0"/>
-              <a:t>10/22/2020</a:t>
+              <a:t>10/28/2020</a:t>
             </a:fld>
             <a:endParaRPr lang="en-US"/>
           </a:p>
@@ -9466,7 +9475,7 @@
           <a:p>
             <a:fld id="{3C04E684-10F4-4CC3-A0B9-F03AA7BE37CF}" type="datetimeFigureOut">
               <a:rPr lang="en-US" smtClean="0"/>
-              <a:t>10/22/2020</a:t>
+              <a:t>10/28/2020</a:t>
             </a:fld>
             <a:endParaRPr lang="en-US"/>
           </a:p>
@@ -9579,7 +9588,7 @@
           <a:p>
             <a:fld id="{3C04E684-10F4-4CC3-A0B9-F03AA7BE37CF}" type="datetimeFigureOut">
               <a:rPr lang="en-US" smtClean="0"/>
-              <a:t>10/22/2020</a:t>
+              <a:t>10/28/2020</a:t>
             </a:fld>
             <a:endParaRPr lang="en-US"/>
           </a:p>
@@ -10086,7 +10095,7 @@
           <a:p>
             <a:fld id="{3C04E684-10F4-4CC3-A0B9-F03AA7BE37CF}" type="datetimeFigureOut">
               <a:rPr lang="en-US" smtClean="0"/>
-              <a:t>10/22/2020</a:t>
+              <a:t>10/28/2020</a:t>
             </a:fld>
             <a:endParaRPr lang="en-US"/>
           </a:p>
@@ -10293,7 +10302,7 @@
           <a:p>
             <a:fld id="{64F0E216-BA48-4F04-AC4F-645AA0DD6AC6}" type="datetimeFigureOut">
               <a:rPr lang="en-US" smtClean="0"/>
-              <a:t>10/22/2020</a:t>
+              <a:t>10/28/2020</a:t>
             </a:fld>
             <a:endParaRPr lang="en-US"/>
           </a:p>
@@ -11612,7 +11621,7 @@
           <a:p>
             <a:fld id="{3C04E684-10F4-4CC3-A0B9-F03AA7BE37CF}" type="datetimeFigureOut">
               <a:rPr lang="en-US" smtClean="0"/>
-              <a:t>10/22/2020</a:t>
+              <a:t>10/28/2020</a:t>
             </a:fld>
             <a:endParaRPr lang="en-US"/>
           </a:p>
@@ -14106,7 +14115,7 @@
           <a:p>
             <a:fld id="{3C04E684-10F4-4CC3-A0B9-F03AA7BE37CF}" type="datetimeFigureOut">
               <a:rPr lang="en-US" smtClean="0"/>
-              <a:t>10/22/2020</a:t>
+              <a:t>10/28/2020</a:t>
             </a:fld>
             <a:endParaRPr lang="en-US"/>
           </a:p>
@@ -14304,7 +14313,7 @@
           <a:p>
             <a:fld id="{3C04E684-10F4-4CC3-A0B9-F03AA7BE37CF}" type="datetimeFigureOut">
               <a:rPr lang="en-US" smtClean="0"/>
-              <a:t>10/22/2020</a:t>
+              <a:t>10/28/2020</a:t>
             </a:fld>
             <a:endParaRPr lang="en-US"/>
           </a:p>
@@ -14512,7 +14521,7 @@
           <a:p>
             <a:fld id="{3C04E684-10F4-4CC3-A0B9-F03AA7BE37CF}" type="datetimeFigureOut">
               <a:rPr lang="en-US" smtClean="0"/>
-              <a:t>10/22/2020</a:t>
+              <a:t>10/28/2020</a:t>
             </a:fld>
             <a:endParaRPr lang="en-US"/>
           </a:p>
@@ -14798,7 +14807,7 @@
           <a:p>
             <a:fld id="{64F0E216-BA48-4F04-AC4F-645AA0DD6AC6}" type="datetimeFigureOut">
               <a:rPr lang="en-US" smtClean="0"/>
-              <a:t>10/22/2020</a:t>
+              <a:t>10/28/2020</a:t>
             </a:fld>
             <a:endParaRPr lang="en-US"/>
           </a:p>
@@ -16262,7 +16271,7 @@
           <a:p>
             <a:fld id="{64F0E216-BA48-4F04-AC4F-645AA0DD6AC6}" type="datetimeFigureOut">
               <a:rPr lang="en-US" smtClean="0"/>
-              <a:t>10/22/2020</a:t>
+              <a:t>10/28/2020</a:t>
             </a:fld>
             <a:endParaRPr lang="en-US"/>
           </a:p>
@@ -16729,7 +16738,7 @@
           <a:p>
             <a:fld id="{64F0E216-BA48-4F04-AC4F-645AA0DD6AC6}" type="datetimeFigureOut">
               <a:rPr lang="en-US" smtClean="0"/>
-              <a:t>10/22/2020</a:t>
+              <a:t>10/28/2020</a:t>
             </a:fld>
             <a:endParaRPr lang="en-US"/>
           </a:p>
@@ -16904,7 +16913,7 @@
           <a:p>
             <a:fld id="{64F0E216-BA48-4F04-AC4F-645AA0DD6AC6}" type="datetimeFigureOut">
               <a:rPr lang="en-US" smtClean="0"/>
-              <a:t>10/22/2020</a:t>
+              <a:t>10/28/2020</a:t>
             </a:fld>
             <a:endParaRPr lang="en-US"/>
           </a:p>
@@ -17041,7 +17050,7 @@
           <a:p>
             <a:fld id="{64F0E216-BA48-4F04-AC4F-645AA0DD6AC6}" type="datetimeFigureOut">
               <a:rPr lang="en-US" smtClean="0"/>
-              <a:t>10/22/2020</a:t>
+              <a:t>10/28/2020</a:t>
             </a:fld>
             <a:endParaRPr lang="en-US"/>
           </a:p>
@@ -17391,7 +17400,7 @@
           <a:p>
             <a:fld id="{64F0E216-BA48-4F04-AC4F-645AA0DD6AC6}" type="datetimeFigureOut">
               <a:rPr lang="en-US" smtClean="0"/>
-              <a:t>10/22/2020</a:t>
+              <a:t>10/28/2020</a:t>
             </a:fld>
             <a:endParaRPr lang="en-US"/>
           </a:p>
@@ -17712,7 +17721,7 @@
           <a:p>
             <a:fld id="{64F0E216-BA48-4F04-AC4F-645AA0DD6AC6}" type="datetimeFigureOut">
               <a:rPr lang="en-US" smtClean="0"/>
-              <a:t>10/22/2020</a:t>
+              <a:t>10/28/2020</a:t>
             </a:fld>
             <a:endParaRPr lang="en-US"/>
           </a:p>
@@ -17974,7 +17983,7 @@
             <a:fld id="{64F0E216-BA48-4F04-AC4F-645AA0DD6AC6}" type="datetimeFigureOut">
               <a:rPr lang="en-US" smtClean="0"/>
               <a:pPr/>
-              <a:t>10/22/2020</a:t>
+              <a:t>10/28/2020</a:t>
             </a:fld>
             <a:endParaRPr lang="en-US" dirty="0"/>
           </a:p>
@@ -18589,7 +18598,7 @@
           <a:p>
             <a:fld id="{3C04E684-10F4-4CC3-A0B9-F03AA7BE37CF}" type="datetimeFigureOut">
               <a:rPr lang="en-US" smtClean="0"/>
-              <a:t>10/22/2020</a:t>
+              <a:t>10/28/2020</a:t>
             </a:fld>
             <a:endParaRPr lang="en-US"/>
           </a:p>
@@ -19664,6 +19673,326 @@
 </p:sld>
 </file>
 
+<file path=ppt/slides/slide2.xml><?xml version="1.0" encoding="utf-8"?>
+<p:sld xmlns:a="http://schemas.openxmlformats.org/drawingml/2006/main" xmlns:r="http://schemas.openxmlformats.org/officeDocument/2006/relationships" xmlns:p="http://schemas.openxmlformats.org/presentationml/2006/main">
+  <p:cSld>
+    <p:spTree>
+      <p:nvGrpSpPr>
+        <p:cNvPr id="1" name=""/>
+        <p:cNvGrpSpPr/>
+        <p:nvPr/>
+      </p:nvGrpSpPr>
+      <p:grpSpPr>
+        <a:xfrm>
+          <a:off x="0" y="0"/>
+          <a:ext cx="0" cy="0"/>
+          <a:chOff x="0" y="0"/>
+          <a:chExt cx="0" cy="0"/>
+        </a:xfrm>
+      </p:grpSpPr>
+      <p:sp>
+        <p:nvSpPr>
+          <p:cNvPr id="2" name="Título 1">
+            <a:extLst>
+              <a:ext uri="{FF2B5EF4-FFF2-40B4-BE49-F238E27FC236}">
+                <a16:creationId xmlns:a16="http://schemas.microsoft.com/office/drawing/2014/main" id="{B4E9AE9D-CA79-42AD-93FA-ED872507EC70}"/>
+              </a:ext>
+            </a:extLst>
+          </p:cNvPr>
+          <p:cNvSpPr>
+            <a:spLocks noGrp="1"/>
+          </p:cNvSpPr>
+          <p:nvPr>
+            <p:ph type="ctrTitle"/>
+          </p:nvPr>
+        </p:nvSpPr>
+        <p:spPr/>
+        <p:txBody>
+          <a:bodyPr/>
+          <a:lstStyle/>
+          <a:p>
+            <a:endParaRPr lang="pt-BR"/>
+          </a:p>
+        </p:txBody>
+      </p:sp>
+      <p:sp>
+        <p:nvSpPr>
+          <p:cNvPr id="3" name="Subtítulo 2">
+            <a:extLst>
+              <a:ext uri="{FF2B5EF4-FFF2-40B4-BE49-F238E27FC236}">
+                <a16:creationId xmlns:a16="http://schemas.microsoft.com/office/drawing/2014/main" id="{E2577AD7-9771-4A8B-AFA0-B1617FF1F1AF}"/>
+              </a:ext>
+            </a:extLst>
+          </p:cNvPr>
+          <p:cNvSpPr>
+            <a:spLocks noGrp="1"/>
+          </p:cNvSpPr>
+          <p:nvPr>
+            <p:ph type="subTitle" idx="1"/>
+          </p:nvPr>
+        </p:nvSpPr>
+        <p:spPr/>
+        <p:txBody>
+          <a:bodyPr/>
+          <a:lstStyle/>
+          <a:p>
+            <a:endParaRPr lang="pt-BR"/>
+          </a:p>
+        </p:txBody>
+      </p:sp>
+    </p:spTree>
+    <p:extLst>
+      <p:ext uri="{BB962C8B-B14F-4D97-AF65-F5344CB8AC3E}">
+        <p14:creationId xmlns:p14="http://schemas.microsoft.com/office/powerpoint/2010/main" val="2379304772"/>
+      </p:ext>
+    </p:extLst>
+  </p:cSld>
+  <p:clrMapOvr>
+    <a:masterClrMapping/>
+  </p:clrMapOvr>
+</p:sld>
+</file>
+
+<file path=ppt/slides/slide3.xml><?xml version="1.0" encoding="utf-8"?>
+<p:sld xmlns:a="http://schemas.openxmlformats.org/drawingml/2006/main" xmlns:r="http://schemas.openxmlformats.org/officeDocument/2006/relationships" xmlns:p="http://schemas.openxmlformats.org/presentationml/2006/main">
+  <p:cSld>
+    <p:spTree>
+      <p:nvGrpSpPr>
+        <p:cNvPr id="1" name=""/>
+        <p:cNvGrpSpPr/>
+        <p:nvPr/>
+      </p:nvGrpSpPr>
+      <p:grpSpPr>
+        <a:xfrm>
+          <a:off x="0" y="0"/>
+          <a:ext cx="0" cy="0"/>
+          <a:chOff x="0" y="0"/>
+          <a:chExt cx="0" cy="0"/>
+        </a:xfrm>
+      </p:grpSpPr>
+      <p:sp>
+        <p:nvSpPr>
+          <p:cNvPr id="2" name="Título 1">
+            <a:extLst>
+              <a:ext uri="{FF2B5EF4-FFF2-40B4-BE49-F238E27FC236}">
+                <a16:creationId xmlns:a16="http://schemas.microsoft.com/office/drawing/2014/main" id="{05319412-9159-4E75-895A-F6BB9FBF1442}"/>
+              </a:ext>
+            </a:extLst>
+          </p:cNvPr>
+          <p:cNvSpPr>
+            <a:spLocks noGrp="1"/>
+          </p:cNvSpPr>
+          <p:nvPr>
+            <p:ph type="title"/>
+          </p:nvPr>
+        </p:nvSpPr>
+        <p:spPr/>
+        <p:txBody>
+          <a:bodyPr/>
+          <a:lstStyle/>
+          <a:p>
+            <a:endParaRPr lang="pt-BR"/>
+          </a:p>
+        </p:txBody>
+      </p:sp>
+      <p:sp>
+        <p:nvSpPr>
+          <p:cNvPr id="3" name="Espaço Reservado para Conteúdo 2">
+            <a:extLst>
+              <a:ext uri="{FF2B5EF4-FFF2-40B4-BE49-F238E27FC236}">
+                <a16:creationId xmlns:a16="http://schemas.microsoft.com/office/drawing/2014/main" id="{4BD32A9D-62B8-4571-8775-D56825F4F64B}"/>
+              </a:ext>
+            </a:extLst>
+          </p:cNvPr>
+          <p:cNvSpPr>
+            <a:spLocks noGrp="1"/>
+          </p:cNvSpPr>
+          <p:nvPr>
+            <p:ph idx="1"/>
+          </p:nvPr>
+        </p:nvSpPr>
+        <p:spPr/>
+        <p:txBody>
+          <a:bodyPr/>
+          <a:lstStyle/>
+          <a:p>
+            <a:endParaRPr lang="pt-BR"/>
+          </a:p>
+        </p:txBody>
+      </p:sp>
+    </p:spTree>
+    <p:extLst>
+      <p:ext uri="{BB962C8B-B14F-4D97-AF65-F5344CB8AC3E}">
+        <p14:creationId xmlns:p14="http://schemas.microsoft.com/office/powerpoint/2010/main" val="575858147"/>
+      </p:ext>
+    </p:extLst>
+  </p:cSld>
+  <p:clrMapOvr>
+    <a:masterClrMapping/>
+  </p:clrMapOvr>
+</p:sld>
+</file>
+
+<file path=ppt/slides/slide4.xml><?xml version="1.0" encoding="utf-8"?>
+<p:sld xmlns:a="http://schemas.openxmlformats.org/drawingml/2006/main" xmlns:r="http://schemas.openxmlformats.org/officeDocument/2006/relationships" xmlns:p="http://schemas.openxmlformats.org/presentationml/2006/main">
+  <p:cSld>
+    <p:spTree>
+      <p:nvGrpSpPr>
+        <p:cNvPr id="1" name=""/>
+        <p:cNvGrpSpPr/>
+        <p:nvPr/>
+      </p:nvGrpSpPr>
+      <p:grpSpPr>
+        <a:xfrm>
+          <a:off x="0" y="0"/>
+          <a:ext cx="0" cy="0"/>
+          <a:chOff x="0" y="0"/>
+          <a:chExt cx="0" cy="0"/>
+        </a:xfrm>
+      </p:grpSpPr>
+      <p:sp>
+        <p:nvSpPr>
+          <p:cNvPr id="2" name="Título 1">
+            <a:extLst>
+              <a:ext uri="{FF2B5EF4-FFF2-40B4-BE49-F238E27FC236}">
+                <a16:creationId xmlns:a16="http://schemas.microsoft.com/office/drawing/2014/main" id="{81B1B722-2F6E-4862-9723-03F96C6DE91A}"/>
+              </a:ext>
+            </a:extLst>
+          </p:cNvPr>
+          <p:cNvSpPr>
+            <a:spLocks noGrp="1"/>
+          </p:cNvSpPr>
+          <p:nvPr>
+            <p:ph type="title"/>
+          </p:nvPr>
+        </p:nvSpPr>
+        <p:spPr/>
+        <p:txBody>
+          <a:bodyPr/>
+          <a:lstStyle/>
+          <a:p>
+            <a:endParaRPr lang="pt-BR"/>
+          </a:p>
+        </p:txBody>
+      </p:sp>
+      <p:sp>
+        <p:nvSpPr>
+          <p:cNvPr id="3" name="Espaço Reservado para Conteúdo 2">
+            <a:extLst>
+              <a:ext uri="{FF2B5EF4-FFF2-40B4-BE49-F238E27FC236}">
+                <a16:creationId xmlns:a16="http://schemas.microsoft.com/office/drawing/2014/main" id="{EA76E31E-BDF5-4E8F-81AC-F4A833DD4468}"/>
+              </a:ext>
+            </a:extLst>
+          </p:cNvPr>
+          <p:cNvSpPr>
+            <a:spLocks noGrp="1"/>
+          </p:cNvSpPr>
+          <p:nvPr>
+            <p:ph idx="1"/>
+          </p:nvPr>
+        </p:nvSpPr>
+        <p:spPr/>
+        <p:txBody>
+          <a:bodyPr/>
+          <a:lstStyle/>
+          <a:p>
+            <a:endParaRPr lang="pt-BR"/>
+          </a:p>
+        </p:txBody>
+      </p:sp>
+    </p:spTree>
+    <p:extLst>
+      <p:ext uri="{BB962C8B-B14F-4D97-AF65-F5344CB8AC3E}">
+        <p14:creationId xmlns:p14="http://schemas.microsoft.com/office/powerpoint/2010/main" val="2017737176"/>
+      </p:ext>
+    </p:extLst>
+  </p:cSld>
+  <p:clrMapOvr>
+    <a:masterClrMapping/>
+  </p:clrMapOvr>
+</p:sld>
+</file>
+
+<file path=ppt/slides/slide5.xml><?xml version="1.0" encoding="utf-8"?>
+<p:sld xmlns:a="http://schemas.openxmlformats.org/drawingml/2006/main" xmlns:r="http://schemas.openxmlformats.org/officeDocument/2006/relationships" xmlns:p="http://schemas.openxmlformats.org/presentationml/2006/main">
+  <p:cSld>
+    <p:spTree>
+      <p:nvGrpSpPr>
+        <p:cNvPr id="1" name=""/>
+        <p:cNvGrpSpPr/>
+        <p:nvPr/>
+      </p:nvGrpSpPr>
+      <p:grpSpPr>
+        <a:xfrm>
+          <a:off x="0" y="0"/>
+          <a:ext cx="0" cy="0"/>
+          <a:chOff x="0" y="0"/>
+          <a:chExt cx="0" cy="0"/>
+        </a:xfrm>
+      </p:grpSpPr>
+      <p:sp>
+        <p:nvSpPr>
+          <p:cNvPr id="2" name="Título 1">
+            <a:extLst>
+              <a:ext uri="{FF2B5EF4-FFF2-40B4-BE49-F238E27FC236}">
+                <a16:creationId xmlns:a16="http://schemas.microsoft.com/office/drawing/2014/main" id="{606E4752-8EF7-4106-98B7-FE19F5E39495}"/>
+              </a:ext>
+            </a:extLst>
+          </p:cNvPr>
+          <p:cNvSpPr>
+            <a:spLocks noGrp="1"/>
+          </p:cNvSpPr>
+          <p:nvPr>
+            <p:ph type="title"/>
+          </p:nvPr>
+        </p:nvSpPr>
+        <p:spPr/>
+        <p:txBody>
+          <a:bodyPr/>
+          <a:lstStyle/>
+          <a:p>
+            <a:endParaRPr lang="pt-BR" dirty="0"/>
+          </a:p>
+        </p:txBody>
+      </p:sp>
+      <p:sp>
+        <p:nvSpPr>
+          <p:cNvPr id="3" name="Espaço Reservado para Conteúdo 2">
+            <a:extLst>
+              <a:ext uri="{FF2B5EF4-FFF2-40B4-BE49-F238E27FC236}">
+                <a16:creationId xmlns:a16="http://schemas.microsoft.com/office/drawing/2014/main" id="{116BFE71-FD9D-4F92-9F5E-37987B858C03}"/>
+              </a:ext>
+            </a:extLst>
+          </p:cNvPr>
+          <p:cNvSpPr>
+            <a:spLocks noGrp="1"/>
+          </p:cNvSpPr>
+          <p:nvPr>
+            <p:ph idx="1"/>
+          </p:nvPr>
+        </p:nvSpPr>
+        <p:spPr/>
+        <p:txBody>
+          <a:bodyPr/>
+          <a:lstStyle/>
+          <a:p>
+            <a:endParaRPr lang="pt-BR"/>
+          </a:p>
+        </p:txBody>
+      </p:sp>
+    </p:spTree>
+    <p:extLst>
+      <p:ext uri="{BB962C8B-B14F-4D97-AF65-F5344CB8AC3E}">
+        <p14:creationId xmlns:p14="http://schemas.microsoft.com/office/powerpoint/2010/main" val="3112509620"/>
+      </p:ext>
+    </p:extLst>
+  </p:cSld>
+  <p:clrMapOvr>
+    <a:masterClrMapping/>
+  </p:clrMapOvr>
+</p:sld>
+</file>
+
 <file path=ppt/theme/theme1.xml><?xml version="1.0" encoding="utf-8"?>
 <a:theme xmlns:a="http://schemas.openxmlformats.org/drawingml/2006/main" name="LeafVTI">
   <a:themeElements>

--- a/PPT/ppt.pptx
+++ b/PPT/ppt.pptx
@@ -276,7 +276,7 @@
           <a:p>
             <a:fld id="{64F0E216-BA48-4F04-AC4F-645AA0DD6AC6}" type="datetimeFigureOut">
               <a:rPr lang="en-US" smtClean="0"/>
-              <a:t>10/28/2020</a:t>
+              <a:t>10/31/2020</a:t>
             </a:fld>
             <a:endParaRPr lang="en-US" dirty="0"/>
           </a:p>
@@ -1324,7 +1324,7 @@
           <a:p>
             <a:fld id="{64F0E216-BA48-4F04-AC4F-645AA0DD6AC6}" type="datetimeFigureOut">
               <a:rPr lang="en-US" smtClean="0"/>
-              <a:t>10/28/2020</a:t>
+              <a:t>10/31/2020</a:t>
             </a:fld>
             <a:endParaRPr lang="en-US"/>
           </a:p>
@@ -1560,7 +1560,7 @@
           <a:p>
             <a:fld id="{64F0E216-BA48-4F04-AC4F-645AA0DD6AC6}" type="datetimeFigureOut">
               <a:rPr lang="en-US" smtClean="0"/>
-              <a:t>10/28/2020</a:t>
+              <a:t>10/31/2020</a:t>
             </a:fld>
             <a:endParaRPr lang="en-US"/>
           </a:p>
@@ -3996,7 +3996,7 @@
           <a:p>
             <a:fld id="{3C04E684-10F4-4CC3-A0B9-F03AA7BE37CF}" type="datetimeFigureOut">
               <a:rPr lang="en-US" smtClean="0"/>
-              <a:t>10/28/2020</a:t>
+              <a:t>10/31/2020</a:t>
             </a:fld>
             <a:endParaRPr lang="en-US"/>
           </a:p>
@@ -4733,7 +4733,7 @@
           <a:p>
             <a:fld id="{3C04E684-10F4-4CC3-A0B9-F03AA7BE37CF}" type="datetimeFigureOut">
               <a:rPr lang="en-US" smtClean="0"/>
-              <a:t>10/28/2020</a:t>
+              <a:t>10/31/2020</a:t>
             </a:fld>
             <a:endParaRPr lang="en-US"/>
           </a:p>
@@ -5375,7 +5375,7 @@
           <a:p>
             <a:fld id="{3C04E684-10F4-4CC3-A0B9-F03AA7BE37CF}" type="datetimeFigureOut">
               <a:rPr lang="en-US" smtClean="0"/>
-              <a:t>10/28/2020</a:t>
+              <a:t>10/31/2020</a:t>
             </a:fld>
             <a:endParaRPr lang="en-US"/>
           </a:p>
@@ -6175,7 +6175,7 @@
           <a:p>
             <a:fld id="{3C04E684-10F4-4CC3-A0B9-F03AA7BE37CF}" type="datetimeFigureOut">
               <a:rPr lang="en-US" smtClean="0"/>
-              <a:t>10/28/2020</a:t>
+              <a:t>10/31/2020</a:t>
             </a:fld>
             <a:endParaRPr lang="en-US"/>
           </a:p>
@@ -7126,7 +7126,7 @@
           <a:p>
             <a:fld id="{3C04E684-10F4-4CC3-A0B9-F03AA7BE37CF}" type="datetimeFigureOut">
               <a:rPr lang="en-US" smtClean="0"/>
-              <a:t>10/28/2020</a:t>
+              <a:t>10/31/2020</a:t>
             </a:fld>
             <a:endParaRPr lang="en-US"/>
           </a:p>
@@ -9475,7 +9475,7 @@
           <a:p>
             <a:fld id="{3C04E684-10F4-4CC3-A0B9-F03AA7BE37CF}" type="datetimeFigureOut">
               <a:rPr lang="en-US" smtClean="0"/>
-              <a:t>10/28/2020</a:t>
+              <a:t>10/31/2020</a:t>
             </a:fld>
             <a:endParaRPr lang="en-US"/>
           </a:p>
@@ -9588,7 +9588,7 @@
           <a:p>
             <a:fld id="{3C04E684-10F4-4CC3-A0B9-F03AA7BE37CF}" type="datetimeFigureOut">
               <a:rPr lang="en-US" smtClean="0"/>
-              <a:t>10/28/2020</a:t>
+              <a:t>10/31/2020</a:t>
             </a:fld>
             <a:endParaRPr lang="en-US"/>
           </a:p>
@@ -10095,7 +10095,7 @@
           <a:p>
             <a:fld id="{3C04E684-10F4-4CC3-A0B9-F03AA7BE37CF}" type="datetimeFigureOut">
               <a:rPr lang="en-US" smtClean="0"/>
-              <a:t>10/28/2020</a:t>
+              <a:t>10/31/2020</a:t>
             </a:fld>
             <a:endParaRPr lang="en-US"/>
           </a:p>
@@ -10302,7 +10302,7 @@
           <a:p>
             <a:fld id="{64F0E216-BA48-4F04-AC4F-645AA0DD6AC6}" type="datetimeFigureOut">
               <a:rPr lang="en-US" smtClean="0"/>
-              <a:t>10/28/2020</a:t>
+              <a:t>10/31/2020</a:t>
             </a:fld>
             <a:endParaRPr lang="en-US"/>
           </a:p>
@@ -11621,7 +11621,7 @@
           <a:p>
             <a:fld id="{3C04E684-10F4-4CC3-A0B9-F03AA7BE37CF}" type="datetimeFigureOut">
               <a:rPr lang="en-US" smtClean="0"/>
-              <a:t>10/28/2020</a:t>
+              <a:t>10/31/2020</a:t>
             </a:fld>
             <a:endParaRPr lang="en-US"/>
           </a:p>
@@ -14115,7 +14115,7 @@
           <a:p>
             <a:fld id="{3C04E684-10F4-4CC3-A0B9-F03AA7BE37CF}" type="datetimeFigureOut">
               <a:rPr lang="en-US" smtClean="0"/>
-              <a:t>10/28/2020</a:t>
+              <a:t>10/31/2020</a:t>
             </a:fld>
             <a:endParaRPr lang="en-US"/>
           </a:p>
@@ -14313,7 +14313,7 @@
           <a:p>
             <a:fld id="{3C04E684-10F4-4CC3-A0B9-F03AA7BE37CF}" type="datetimeFigureOut">
               <a:rPr lang="en-US" smtClean="0"/>
-              <a:t>10/28/2020</a:t>
+              <a:t>10/31/2020</a:t>
             </a:fld>
             <a:endParaRPr lang="en-US"/>
           </a:p>
@@ -14521,7 +14521,7 @@
           <a:p>
             <a:fld id="{3C04E684-10F4-4CC3-A0B9-F03AA7BE37CF}" type="datetimeFigureOut">
               <a:rPr lang="en-US" smtClean="0"/>
-              <a:t>10/28/2020</a:t>
+              <a:t>10/31/2020</a:t>
             </a:fld>
             <a:endParaRPr lang="en-US"/>
           </a:p>
@@ -14807,7 +14807,7 @@
           <a:p>
             <a:fld id="{64F0E216-BA48-4F04-AC4F-645AA0DD6AC6}" type="datetimeFigureOut">
               <a:rPr lang="en-US" smtClean="0"/>
-              <a:t>10/28/2020</a:t>
+              <a:t>10/31/2020</a:t>
             </a:fld>
             <a:endParaRPr lang="en-US"/>
           </a:p>
@@ -16271,7 +16271,7 @@
           <a:p>
             <a:fld id="{64F0E216-BA48-4F04-AC4F-645AA0DD6AC6}" type="datetimeFigureOut">
               <a:rPr lang="en-US" smtClean="0"/>
-              <a:t>10/28/2020</a:t>
+              <a:t>10/31/2020</a:t>
             </a:fld>
             <a:endParaRPr lang="en-US"/>
           </a:p>
@@ -16738,7 +16738,7 @@
           <a:p>
             <a:fld id="{64F0E216-BA48-4F04-AC4F-645AA0DD6AC6}" type="datetimeFigureOut">
               <a:rPr lang="en-US" smtClean="0"/>
-              <a:t>10/28/2020</a:t>
+              <a:t>10/31/2020</a:t>
             </a:fld>
             <a:endParaRPr lang="en-US"/>
           </a:p>
@@ -16913,7 +16913,7 @@
           <a:p>
             <a:fld id="{64F0E216-BA48-4F04-AC4F-645AA0DD6AC6}" type="datetimeFigureOut">
               <a:rPr lang="en-US" smtClean="0"/>
-              <a:t>10/28/2020</a:t>
+              <a:t>10/31/2020</a:t>
             </a:fld>
             <a:endParaRPr lang="en-US"/>
           </a:p>
@@ -17050,7 +17050,7 @@
           <a:p>
             <a:fld id="{64F0E216-BA48-4F04-AC4F-645AA0DD6AC6}" type="datetimeFigureOut">
               <a:rPr lang="en-US" smtClean="0"/>
-              <a:t>10/28/2020</a:t>
+              <a:t>10/31/2020</a:t>
             </a:fld>
             <a:endParaRPr lang="en-US"/>
           </a:p>
@@ -17400,7 +17400,7 @@
           <a:p>
             <a:fld id="{64F0E216-BA48-4F04-AC4F-645AA0DD6AC6}" type="datetimeFigureOut">
               <a:rPr lang="en-US" smtClean="0"/>
-              <a:t>10/28/2020</a:t>
+              <a:t>10/31/2020</a:t>
             </a:fld>
             <a:endParaRPr lang="en-US"/>
           </a:p>
@@ -17721,7 +17721,7 @@
           <a:p>
             <a:fld id="{64F0E216-BA48-4F04-AC4F-645AA0DD6AC6}" type="datetimeFigureOut">
               <a:rPr lang="en-US" smtClean="0"/>
-              <a:t>10/28/2020</a:t>
+              <a:t>10/31/2020</a:t>
             </a:fld>
             <a:endParaRPr lang="en-US"/>
           </a:p>
@@ -17983,7 +17983,7 @@
             <a:fld id="{64F0E216-BA48-4F04-AC4F-645AA0DD6AC6}" type="datetimeFigureOut">
               <a:rPr lang="en-US" smtClean="0"/>
               <a:pPr/>
-              <a:t>10/28/2020</a:t>
+              <a:t>10/31/2020</a:t>
             </a:fld>
             <a:endParaRPr lang="en-US" dirty="0"/>
           </a:p>
@@ -18598,7 +18598,7 @@
           <a:p>
             <a:fld id="{3C04E684-10F4-4CC3-A0B9-F03AA7BE37CF}" type="datetimeFigureOut">
               <a:rPr lang="en-US" smtClean="0"/>
-              <a:t>10/28/2020</a:t>
+              <a:t>10/31/2020</a:t>
             </a:fld>
             <a:endParaRPr lang="en-US"/>
           </a:p>
@@ -19706,12 +19706,20 @@
             <p:ph type="ctrTitle"/>
           </p:nvPr>
         </p:nvSpPr>
-        <p:spPr/>
+        <p:spPr>
+          <a:xfrm>
+            <a:off x="304800" y="1106558"/>
+            <a:ext cx="6271038" cy="1322839"/>
+          </a:xfrm>
+        </p:spPr>
         <p:txBody>
           <a:bodyPr/>
           <a:lstStyle/>
           <a:p>
-            <a:endParaRPr lang="pt-BR"/>
+            <a:r>
+              <a:rPr lang="pt-BR" dirty="0"/>
+              <a:t>Em que momento da sua história você  TEVE O INTERESSE NESSE TEMA?</a:t>
+            </a:r>
           </a:p>
         </p:txBody>
       </p:sp>
@@ -19731,12 +19739,44 @@
             <p:ph type="subTitle" idx="1"/>
           </p:nvPr>
         </p:nvSpPr>
-        <p:spPr/>
+        <p:spPr>
+          <a:xfrm>
+            <a:off x="304800" y="2986778"/>
+            <a:ext cx="9793357" cy="2115310"/>
+          </a:xfrm>
+        </p:spPr>
         <p:txBody>
           <a:bodyPr/>
           <a:lstStyle/>
           <a:p>
-            <a:endParaRPr lang="pt-BR"/>
+            <a:pPr marL="342900" indent="-342900" algn="l">
+              <a:buFont typeface="Arial" panose="020B0604020202020204" pitchFamily="34" charset="0"/>
+              <a:buChar char="•"/>
+            </a:pPr>
+            <a:r>
+              <a:rPr lang="pt-BR" dirty="0"/>
+              <a:t>Por ser umas das coisas que eu mais gosto de pesquisar e sempre estou acompanhando </a:t>
+            </a:r>
+          </a:p>
+          <a:p>
+            <a:pPr marL="342900" indent="-342900" algn="l">
+              <a:buFont typeface="Arial" panose="020B0604020202020204" pitchFamily="34" charset="0"/>
+              <a:buChar char="•"/>
+            </a:pPr>
+            <a:r>
+              <a:rPr lang="pt-BR" dirty="0"/>
+              <a:t>Sempre estive ligado a tênis, desde pequeno</a:t>
+            </a:r>
+          </a:p>
+          <a:p>
+            <a:pPr marL="342900" indent="-342900" algn="l">
+              <a:buFont typeface="Arial" panose="020B0604020202020204" pitchFamily="34" charset="0"/>
+              <a:buChar char="•"/>
+            </a:pPr>
+            <a:r>
+              <a:rPr lang="pt-BR" dirty="0"/>
+              <a:t>No meu dia a dia está inserido de forma essencial</a:t>
+            </a:r>
           </a:p>
         </p:txBody>
       </p:sp>
